--- a/Our Application.pptx
+++ b/Our Application.pptx
@@ -110,6 +110,11 @@
       </a:defRPr>
     </a:lvl9pPr>
   </p:defaultTextStyle>
+  <p:extLst>
+    <p:ext uri="{EFAFB233-063F-42B5-8137-9DF3F51BA10A}">
+      <p15:sldGuideLst xmlns:p15="http://schemas.microsoft.com/office/powerpoint/2012/main"/>
+    </p:ext>
+  </p:extLst>
 </p:presentation>
 </file>
 
@@ -3914,8 +3919,8 @@
         </p:nvSpPr>
         <p:spPr>
           <a:xfrm>
-            <a:off x="1097280" y="2180491"/>
-            <a:ext cx="6723478" cy="646331"/>
+            <a:off x="943414" y="2219318"/>
+            <a:ext cx="6723478" cy="923330"/>
           </a:xfrm>
           <a:prstGeom prst="rect">
             <a:avLst/>
@@ -3945,6 +3950,16 @@
             <a:r>
               <a:rPr lang="en-GB" dirty="0"/>
               <a:t>Expandable menu</a:t>
+            </a:r>
+          </a:p>
+          <a:p>
+            <a:pPr marL="285750" indent="-285750">
+              <a:buFont typeface="Arial" panose="020B0604020202020204" pitchFamily="34" charset="0"/>
+              <a:buChar char="•"/>
+            </a:pPr>
+            <a:r>
+              <a:rPr lang="en-GB" dirty="0"/>
+              <a:t>Simple design</a:t>
             </a:r>
           </a:p>
         </p:txBody>
@@ -4038,65 +4053,6 @@
           </a:p>
         </p:txBody>
       </p:sp>
-      <p:pic>
-        <p:nvPicPr>
-          <p:cNvPr id="5" name="Content Placeholder 4">
-            <a:extLst>
-              <a:ext uri="{FF2B5EF4-FFF2-40B4-BE49-F238E27FC236}">
-                <a16:creationId xmlns:a16="http://schemas.microsoft.com/office/drawing/2014/main" id="{E970D122-E294-452C-8E51-37EE21B4D9D3}"/>
-              </a:ext>
-            </a:extLst>
-          </p:cNvPr>
-          <p:cNvPicPr>
-            <a:picLocks noGrp="1" noChangeAspect="1"/>
-          </p:cNvPicPr>
-          <p:nvPr>
-            <p:ph idx="1"/>
-          </p:nvPr>
-        </p:nvPicPr>
-        <p:blipFill>
-          <a:blip r:embed="rId2"/>
-          <a:stretch>
-            <a:fillRect/>
-          </a:stretch>
-        </p:blipFill>
-        <p:spPr>
-          <a:xfrm>
-            <a:off x="8598878" y="374381"/>
-            <a:ext cx="3194220" cy="5704729"/>
-          </a:xfrm>
-        </p:spPr>
-      </p:pic>
-      <p:pic>
-        <p:nvPicPr>
-          <p:cNvPr id="7" name="Picture 6">
-            <a:extLst>
-              <a:ext uri="{FF2B5EF4-FFF2-40B4-BE49-F238E27FC236}">
-                <a16:creationId xmlns:a16="http://schemas.microsoft.com/office/drawing/2014/main" id="{119A8CCB-8BBB-41F4-B012-6AD2754A70F4}"/>
-              </a:ext>
-            </a:extLst>
-          </p:cNvPr>
-          <p:cNvPicPr>
-            <a:picLocks noChangeAspect="1"/>
-          </p:cNvPicPr>
-          <p:nvPr/>
-        </p:nvPicPr>
-        <p:blipFill>
-          <a:blip r:embed="rId3"/>
-          <a:stretch>
-            <a:fillRect/>
-          </a:stretch>
-        </p:blipFill>
-        <p:spPr>
-          <a:xfrm>
-            <a:off x="6390766" y="2680502"/>
-            <a:ext cx="1906796" cy="3398608"/>
-          </a:xfrm>
-          <a:prstGeom prst="rect">
-            <a:avLst/>
-          </a:prstGeom>
-        </p:spPr>
-      </p:pic>
       <p:sp>
         <p:nvSpPr>
           <p:cNvPr id="8" name="TextBox 7">
@@ -4112,7 +4068,7 @@
         <p:spPr>
           <a:xfrm>
             <a:off x="1186962" y="2299188"/>
-            <a:ext cx="3117648" cy="369332"/>
+            <a:ext cx="2906373" cy="646331"/>
           </a:xfrm>
           <a:prstGeom prst="rect">
             <a:avLst/>
@@ -4131,20 +4087,51 @@
             </a:pPr>
             <a:r>
               <a:rPr lang="en-GB" dirty="0"/>
-              <a:t>Warnings and </a:t>
-            </a:r>
-            <a:r>
-              <a:rPr lang="en-GB" dirty="0" err="1"/>
-              <a:t>rollable</a:t>
-            </a:r>
+              <a:t>Scrollable checkbox menu</a:t>
+            </a:r>
+          </a:p>
+          <a:p>
+            <a:pPr marL="285750" indent="-285750">
+              <a:buFont typeface="Arial" panose="020B0604020202020204" pitchFamily="34" charset="0"/>
+              <a:buChar char="•"/>
+            </a:pPr>
             <a:r>
               <a:rPr lang="en-GB" dirty="0"/>
-              <a:t> menu</a:t>
+              <a:t>Dummy proof</a:t>
             </a:r>
             <a:endParaRPr lang="cs-CZ" dirty="0"/>
           </a:p>
         </p:txBody>
       </p:sp>
+      <p:pic>
+        <p:nvPicPr>
+          <p:cNvPr id="9" name="Content Placeholder 8">
+            <a:extLst>
+              <a:ext uri="{FF2B5EF4-FFF2-40B4-BE49-F238E27FC236}">
+                <a16:creationId xmlns:a16="http://schemas.microsoft.com/office/drawing/2014/main" id="{A5225FAE-9325-4203-ABD9-968057BA3AB5}"/>
+              </a:ext>
+            </a:extLst>
+          </p:cNvPr>
+          <p:cNvPicPr>
+            <a:picLocks noGrp="1" noChangeAspect="1"/>
+          </p:cNvPicPr>
+          <p:nvPr>
+            <p:ph idx="1"/>
+          </p:nvPr>
+        </p:nvPicPr>
+        <p:blipFill>
+          <a:blip r:embed="rId2"/>
+          <a:stretch>
+            <a:fillRect/>
+          </a:stretch>
+        </p:blipFill>
+        <p:spPr>
+          <a:xfrm>
+            <a:off x="8743921" y="472491"/>
+            <a:ext cx="3163158" cy="5606619"/>
+          </a:xfrm>
+        </p:spPr>
+      </p:pic>
     </p:spTree>
     <p:extLst>
       <p:ext uri="{BB962C8B-B14F-4D97-AF65-F5344CB8AC3E}">
@@ -4277,7 +4264,7 @@
             </a:pPr>
             <a:r>
               <a:rPr lang="en-GB" dirty="0"/>
-              <a:t>Link to web site</a:t>
+              <a:t>Link to web-site</a:t>
             </a:r>
           </a:p>
           <a:p>
@@ -4379,15 +4366,7 @@
             </a:pPr>
             <a:r>
               <a:rPr lang="en-GB" dirty="0"/>
-              <a:t>Counting distance -&gt; Only small </a:t>
-            </a:r>
-            <a:r>
-              <a:rPr lang="en-GB" dirty="0" err="1"/>
-              <a:t>impemantation</a:t>
-            </a:r>
-            <a:r>
-              <a:rPr lang="en-GB" dirty="0"/>
-              <a:t> problem, but environment is ready to count it</a:t>
+              <a:t> Sort by distance </a:t>
             </a:r>
           </a:p>
           <a:p>
@@ -4396,9 +4375,25 @@
               <a:buChar char="•"/>
             </a:pPr>
             <a:r>
-              <a:rPr lang="en-GB" dirty="0"/>
-              <a:t>  Accounts with some features</a:t>
-            </a:r>
+              <a:rPr lang="cs-CZ" dirty="0"/>
+              <a:t>Personalization with user accounts</a:t>
+            </a:r>
+          </a:p>
+          <a:p>
+            <a:pPr>
+              <a:buFont typeface="Arial" panose="020B0604020202020204" pitchFamily="34" charset="0"/>
+              <a:buChar char="•"/>
+            </a:pPr>
+            <a:r>
+              <a:rPr lang="cs-CZ" dirty="0"/>
+              <a:t>Easy to add new features</a:t>
+            </a:r>
+          </a:p>
+          <a:p>
+            <a:pPr>
+              <a:buFont typeface="Arial" panose="020B0604020202020204" pitchFamily="34" charset="0"/>
+              <a:buChar char="•"/>
+            </a:pPr>
             <a:endParaRPr lang="cs-CZ" dirty="0"/>
           </a:p>
         </p:txBody>
@@ -4492,6 +4487,10 @@
               <a:buChar char="•"/>
             </a:pPr>
             <a:r>
+              <a:rPr lang="cs-CZ" dirty="0"/>
+              <a:t> </a:t>
+            </a:r>
+            <a:r>
               <a:rPr lang="en-GB" dirty="0"/>
               <a:t>Correctness of data</a:t>
             </a:r>
@@ -4502,8 +4501,18 @@
               <a:buChar char="•"/>
             </a:pPr>
             <a:r>
-              <a:rPr lang="en-GB" dirty="0"/>
-              <a:t>Distance</a:t>
+              <a:rPr lang="cs-CZ" dirty="0"/>
+              <a:t> String injections</a:t>
+            </a:r>
+          </a:p>
+          <a:p>
+            <a:pPr>
+              <a:buFont typeface="Arial" panose="020B0604020202020204" pitchFamily="34" charset="0"/>
+              <a:buChar char="•"/>
+            </a:pPr>
+            <a:r>
+              <a:rPr lang="cs-CZ" dirty="0"/>
+              <a:t> Slow connection – not optimalized (yet)</a:t>
             </a:r>
           </a:p>
           <a:p>
